--- a/Documents/M.Y.S.E.pptx
+++ b/Documents/M.Y.S.E.pptx
@@ -7012,7 +7012,7 @@
           <a:p>
             <a:pPr algn="ctr"/>
             <a:r>
-              <a:rPr lang="en-US" sz="2400" b="1" dirty="0" err="1">
+              <a:rPr lang="en-US" sz="2400" b="1">
                 <a:ln w="12700">
                   <a:noFill/>
                 </a:ln>
